--- a/report/PRESENTASI SKRIPSI.pptx
+++ b/report/PRESENTASI SKRIPSI.pptx
@@ -3280,7 +3280,7 @@
               </a:lnSpc>
             </a:pPr>
             <a:r>
-              <a:rPr lang="en-US" sz="3000">
+              <a:rPr lang="en-US" sz="3000" dirty="0">
                 <a:solidFill>
                   <a:srgbClr val="243A73"/>
                 </a:solidFill>
@@ -3288,12 +3288,6 @@
               </a:rPr>
               <a:t>PRESENTASI SKRIPSI</a:t>
             </a:r>
-            <a:endParaRPr lang="en-US" sz="3000" dirty="0">
-              <a:solidFill>
-                <a:srgbClr val="243A73"/>
-              </a:solidFill>
-              <a:latin typeface="Open Sans Bold"/>
-            </a:endParaRPr>
           </a:p>
         </p:txBody>
       </p:sp>
@@ -10856,7 +10850,7 @@
         <p:spPr>
           <a:xfrm>
             <a:off x="1956386" y="1212398"/>
-            <a:ext cx="15089609" cy="457200"/>
+            <a:ext cx="15089609" cy="923330"/>
           </a:xfrm>
           <a:prstGeom prst="rect">
             <a:avLst/>
@@ -10877,13 +10871,13 @@
               </a:spcBef>
             </a:pPr>
             <a:r>
-              <a:rPr lang="en-US" sz="3000">
+              <a:rPr lang="en-US" sz="3000" dirty="0">
                 <a:solidFill>
                   <a:srgbClr val="243A73"/>
                 </a:solidFill>
                 <a:latin typeface="Open Sans Bold Bold"/>
               </a:rPr>
-              <a:t>PENGUJIAN TERHADAP 1230 SIDIK JARI LAKI-LAKI DAN 1230 SIDIK JARI WANITA</a:t>
+              <a:t>PENGUJIAN TERHADAP 4770 SIDIK JARI LAKI-LAKI DAN 4770 SIDIK JARI WANITA</a:t>
             </a:r>
           </a:p>
         </p:txBody>
